--- a/ppts/02Layout.pptx
+++ b/ppts/02Layout.pptx
@@ -266,7 +266,7 @@
           <a:p>
             <a:fld id="{648057B7-EFC7-4AC6-B479-CDD44EB7D654}" type="datetimeFigureOut">
               <a:rPr lang="ko-KR" altLang="en-US" smtClean="0"/>
-              <a:t>20-01-20</a:t>
+              <a:t>20-01-21</a:t>
             </a:fld>
             <a:endParaRPr lang="ko-KR" altLang="en-US"/>
           </a:p>
@@ -773,7 +773,7 @@
           <a:p>
             <a:fld id="{92DC3DFC-D19E-4489-81A0-2BEACF4D5BEA}" type="datetime1">
               <a:rPr lang="ko-KR" altLang="en-US" smtClean="0"/>
-              <a:t>20-01-20</a:t>
+              <a:t>20-01-21</a:t>
             </a:fld>
             <a:endParaRPr lang="ko-KR" altLang="en-US"/>
           </a:p>
@@ -1449,7 +1449,7 @@
           <a:p>
             <a:fld id="{D6186EA6-D9DB-42E3-9CF4-5FF064BCCBD4}" type="datetime1">
               <a:rPr lang="ko-KR" altLang="en-US" smtClean="0"/>
-              <a:t>20-01-20</a:t>
+              <a:t>20-01-21</a:t>
             </a:fld>
             <a:endParaRPr lang="ko-KR" altLang="en-US"/>
           </a:p>
@@ -1607,7 +1607,7 @@
           <a:p>
             <a:fld id="{E42C130B-BDA3-4432-AD22-7228F2591A72}" type="datetime1">
               <a:rPr lang="ko-KR" altLang="en-US" smtClean="0"/>
-              <a:t>20-01-20</a:t>
+              <a:t>20-01-21</a:t>
             </a:fld>
             <a:endParaRPr lang="ko-KR" altLang="en-US"/>
           </a:p>
@@ -1871,7 +1871,7 @@
           <a:p>
             <a:fld id="{3C649B2E-AC5C-4CA1-A2FD-F4A945DECCCA}" type="datetime1">
               <a:rPr lang="ko-KR" altLang="en-US" smtClean="0"/>
-              <a:t>20-01-20</a:t>
+              <a:t>20-01-21</a:t>
             </a:fld>
             <a:endParaRPr lang="ko-KR" altLang="en-US"/>
           </a:p>
@@ -1965,7 +1965,7 @@
           <a:p>
             <a:fld id="{AC778754-33AA-481A-B885-58843B94B2EC}" type="datetime1">
               <a:rPr lang="ko-KR" altLang="en-US" smtClean="0"/>
-              <a:t>20-01-20</a:t>
+              <a:t>20-01-21</a:t>
             </a:fld>
             <a:endParaRPr lang="ko-KR" altLang="en-US"/>
           </a:p>
@@ -3175,7 +3175,7 @@
             <a:fld id="{AC778754-33AA-481A-B885-58843B94B2EC}" type="datetime1">
               <a:rPr lang="ko-KR" altLang="en-US" smtClean="0"/>
               <a:pPr/>
-              <a:t>20-01-20</a:t>
+              <a:t>20-01-21</a:t>
             </a:fld>
             <a:endParaRPr lang="ko-KR" altLang="en-US" dirty="0"/>
           </a:p>
@@ -4644,6 +4644,13 @@
   <p:clrMapOvr>
     <a:masterClrMapping/>
   </p:clrMapOvr>
+  <p:timing>
+    <p:tnLst>
+      <p:par>
+        <p:cTn id="1" dur="indefinite" restart="never" nodeType="tmRoot"/>
+      </p:par>
+    </p:tnLst>
+  </p:timing>
 </p:sld>
 </file>
 
@@ -5128,6 +5135,13 @@
   <p:clrMapOvr>
     <a:masterClrMapping/>
   </p:clrMapOvr>
+  <p:timing>
+    <p:tnLst>
+      <p:par>
+        <p:cTn id="1" dur="indefinite" restart="never" nodeType="tmRoot"/>
+      </p:par>
+    </p:tnLst>
+  </p:timing>
 </p:sld>
 </file>
 
@@ -5476,6 +5490,13 @@
   <p:clrMapOvr>
     <a:masterClrMapping/>
   </p:clrMapOvr>
+  <p:timing>
+    <p:tnLst>
+      <p:par>
+        <p:cTn id="1" dur="indefinite" restart="never" nodeType="tmRoot"/>
+      </p:par>
+    </p:tnLst>
+  </p:timing>
 </p:sld>
 </file>
 
@@ -5738,7 +5759,19 @@
               <a:rPr lang="en-US" altLang="ko-KR" sz="1400" dirty="0">
                 <a:latin typeface="Consolas" panose="020B0609020204030204" pitchFamily="49" charset="0"/>
               </a:rPr>
-              <a:t>public class LayoutCodeActivity extends AppCompatActivity {</a:t>
+              <a:t>public class </a:t>
+            </a:r>
+            <a:r>
+              <a:rPr lang="en-US" altLang="ko-KR" sz="1400" b="1" dirty="0">
+                <a:latin typeface="Consolas" panose="020B0609020204030204" pitchFamily="49" charset="0"/>
+              </a:rPr>
+              <a:t>LayoutCodeActivity</a:t>
+            </a:r>
+            <a:r>
+              <a:rPr lang="en-US" altLang="ko-KR" sz="1400" dirty="0">
+                <a:latin typeface="Consolas" panose="020B0609020204030204" pitchFamily="49" charset="0"/>
+              </a:rPr>
+              <a:t> extends AppCompatActivity {</a:t>
             </a:r>
           </a:p>
           <a:p>
@@ -6005,15 +6038,13 @@
         <p:spPr>
           <a:xfrm>
             <a:off x="7460180" y="3020290"/>
-            <a:ext cx="3385863" cy="646331"/>
+            <a:ext cx="2674130" cy="523220"/>
           </a:xfrm>
           <a:prstGeom prst="rect">
             <a:avLst/>
           </a:prstGeom>
           <a:solidFill>
-            <a:schemeClr val="bg1">
-              <a:lumMod val="85000"/>
-            </a:schemeClr>
+            <a:srgbClr val="FFC000"/>
           </a:solidFill>
         </p:spPr>
         <p:txBody>
@@ -6023,19 +6054,19 @@
           <a:lstStyle/>
           <a:p>
             <a:r>
-              <a:rPr lang="en-US" altLang="ko-KR" dirty="0" smtClean="0">
+              <a:rPr lang="en-US" altLang="ko-KR" sz="1400" dirty="0" smtClean="0">
                 <a:sym typeface="Wingdings" panose="05000000000000000000" pitchFamily="2" charset="2"/>
               </a:rPr>
               <a:t>Linear Layout</a:t>
             </a:r>
             <a:r>
-              <a:rPr lang="ko-KR" altLang="en-US" dirty="0" smtClean="0">
+              <a:rPr lang="ko-KR" altLang="en-US" sz="1400" dirty="0" smtClean="0">
                 <a:sym typeface="Wingdings" panose="05000000000000000000" pitchFamily="2" charset="2"/>
               </a:rPr>
               <a:t>객체를 생성하고</a:t>
             </a:r>
             <a:r>
-              <a:rPr lang="en-US" altLang="ko-KR" dirty="0" smtClean="0">
+              <a:rPr lang="en-US" altLang="ko-KR" sz="1400" dirty="0" smtClean="0">
                 <a:sym typeface="Wingdings" panose="05000000000000000000" pitchFamily="2" charset="2"/>
               </a:rPr>
               <a:t>, </a:t>
@@ -6043,12 +6074,12 @@
           </a:p>
           <a:p>
             <a:r>
-              <a:rPr lang="ko-KR" altLang="en-US" dirty="0" smtClean="0">
+              <a:rPr lang="ko-KR" altLang="en-US" sz="1400" dirty="0" smtClean="0">
                 <a:sym typeface="Wingdings" panose="05000000000000000000" pitchFamily="2" charset="2"/>
               </a:rPr>
               <a:t>방향 설정</a:t>
             </a:r>
-            <a:endParaRPr lang="ko-KR" altLang="en-US" dirty="0"/>
+            <a:endParaRPr lang="ko-KR" altLang="en-US" sz="1400" dirty="0"/>
           </a:p>
         </p:txBody>
       </p:sp>
@@ -6061,15 +6092,13 @@
         <p:spPr>
           <a:xfrm>
             <a:off x="7968208" y="3877525"/>
-            <a:ext cx="2874995" cy="646331"/>
+            <a:ext cx="2874995" cy="523220"/>
           </a:xfrm>
           <a:prstGeom prst="rect">
             <a:avLst/>
           </a:prstGeom>
           <a:solidFill>
-            <a:schemeClr val="bg1">
-              <a:lumMod val="85000"/>
-            </a:schemeClr>
+            <a:srgbClr val="FFC000"/>
           </a:solidFill>
         </p:spPr>
         <p:txBody>
@@ -6079,30 +6108,30 @@
           <a:lstStyle/>
           <a:p>
             <a:r>
-              <a:rPr lang="en-US" altLang="ko-KR" dirty="0" smtClean="0">
+              <a:rPr lang="en-US" altLang="ko-KR" sz="1400" dirty="0" smtClean="0">
                 <a:sym typeface="Wingdings" panose="05000000000000000000" pitchFamily="2" charset="2"/>
               </a:rPr>
               <a:t>Layout </a:t>
             </a:r>
             <a:r>
-              <a:rPr lang="ko-KR" altLang="en-US" dirty="0" smtClean="0">
+              <a:rPr lang="ko-KR" altLang="en-US" sz="1400" dirty="0" smtClean="0">
                 <a:sym typeface="Wingdings" panose="05000000000000000000" pitchFamily="2" charset="2"/>
               </a:rPr>
               <a:t>안에 추가될 뷰들에 설정할 </a:t>
             </a:r>
             <a:r>
-              <a:rPr lang="ko-KR" altLang="en-US" dirty="0" err="1" smtClean="0">
+              <a:rPr lang="ko-KR" altLang="en-US" sz="1400" dirty="0" err="1" smtClean="0">
                 <a:sym typeface="Wingdings" panose="05000000000000000000" pitchFamily="2" charset="2"/>
               </a:rPr>
               <a:t>파라미터를</a:t>
             </a:r>
             <a:r>
-              <a:rPr lang="ko-KR" altLang="en-US" dirty="0" smtClean="0">
+              <a:rPr lang="ko-KR" altLang="en-US" sz="1400" dirty="0" smtClean="0">
                 <a:sym typeface="Wingdings" panose="05000000000000000000" pitchFamily="2" charset="2"/>
               </a:rPr>
               <a:t> 생성</a:t>
             </a:r>
-            <a:endParaRPr lang="ko-KR" altLang="en-US" dirty="0"/>
+            <a:endParaRPr lang="ko-KR" altLang="en-US" sz="1400" dirty="0"/>
           </a:p>
         </p:txBody>
       </p:sp>
@@ -6115,15 +6144,13 @@
         <p:spPr>
           <a:xfrm>
             <a:off x="4943872" y="4941168"/>
-            <a:ext cx="3024336" cy="646331"/>
+            <a:ext cx="3024336" cy="523220"/>
           </a:xfrm>
           <a:prstGeom prst="rect">
             <a:avLst/>
           </a:prstGeom>
           <a:solidFill>
-            <a:schemeClr val="bg1">
-              <a:lumMod val="85000"/>
-            </a:schemeClr>
+            <a:srgbClr val="FFC000"/>
           </a:solidFill>
         </p:spPr>
         <p:txBody>
@@ -6133,41 +6160,41 @@
           <a:lstStyle/>
           <a:p>
             <a:r>
-              <a:rPr lang="ko-KR" altLang="en-US" smtClean="0">
+              <a:rPr lang="ko-KR" altLang="en-US" sz="1400" smtClean="0">
                 <a:sym typeface="Wingdings" panose="05000000000000000000" pitchFamily="2" charset="2"/>
               </a:rPr>
               <a:t>버튼에 </a:t>
             </a:r>
             <a:r>
-              <a:rPr lang="ko-KR" altLang="en-US" dirty="0" err="1" smtClean="0">
+              <a:rPr lang="ko-KR" altLang="en-US" sz="1400" dirty="0" err="1" smtClean="0">
                 <a:sym typeface="Wingdings" panose="05000000000000000000" pitchFamily="2" charset="2"/>
               </a:rPr>
               <a:t>파라미터를</a:t>
             </a:r>
             <a:r>
-              <a:rPr lang="ko-KR" altLang="en-US" dirty="0" smtClean="0">
+              <a:rPr lang="ko-KR" altLang="en-US" sz="1400" dirty="0" smtClean="0">
                 <a:sym typeface="Wingdings" panose="05000000000000000000" pitchFamily="2" charset="2"/>
               </a:rPr>
               <a:t> 설정하고</a:t>
             </a:r>
-            <a:endParaRPr lang="en-US" altLang="ko-KR" dirty="0" smtClean="0">
+            <a:endParaRPr lang="en-US" altLang="ko-KR" sz="1400" dirty="0" smtClean="0">
               <a:sym typeface="Wingdings" panose="05000000000000000000" pitchFamily="2" charset="2"/>
             </a:endParaRPr>
           </a:p>
           <a:p>
             <a:r>
-              <a:rPr lang="en-US" altLang="ko-KR" dirty="0" smtClean="0">
+              <a:rPr lang="en-US" altLang="ko-KR" sz="1400" dirty="0" smtClean="0">
                 <a:sym typeface="Wingdings" panose="05000000000000000000" pitchFamily="2" charset="2"/>
               </a:rPr>
               <a:t>Layout </a:t>
             </a:r>
             <a:r>
-              <a:rPr lang="ko-KR" altLang="en-US" dirty="0" smtClean="0">
+              <a:rPr lang="ko-KR" altLang="en-US" sz="1400" dirty="0" smtClean="0">
                 <a:sym typeface="Wingdings" panose="05000000000000000000" pitchFamily="2" charset="2"/>
               </a:rPr>
               <a:t>에 추가</a:t>
             </a:r>
-            <a:endParaRPr lang="ko-KR" altLang="en-US" dirty="0"/>
+            <a:endParaRPr lang="ko-KR" altLang="en-US" sz="1400" dirty="0"/>
           </a:p>
         </p:txBody>
       </p:sp>
@@ -6180,15 +6207,13 @@
         <p:spPr>
           <a:xfrm>
             <a:off x="4943872" y="5971664"/>
-            <a:ext cx="3024336" cy="369332"/>
+            <a:ext cx="3024336" cy="307777"/>
           </a:xfrm>
           <a:prstGeom prst="rect">
             <a:avLst/>
           </a:prstGeom>
           <a:solidFill>
-            <a:schemeClr val="bg1">
-              <a:lumMod val="85000"/>
-            </a:schemeClr>
+            <a:srgbClr val="FFC000"/>
           </a:solidFill>
         </p:spPr>
         <p:txBody>
@@ -6198,24 +6223,24 @@
           <a:lstStyle/>
           <a:p>
             <a:r>
-              <a:rPr lang="ko-KR" altLang="en-US" dirty="0" smtClean="0">
+              <a:rPr lang="ko-KR" altLang="en-US" sz="1400" dirty="0" smtClean="0">
                 <a:sym typeface="Wingdings" panose="05000000000000000000" pitchFamily="2" charset="2"/>
               </a:rPr>
               <a:t>새 </a:t>
             </a:r>
             <a:r>
-              <a:rPr lang="en-US" altLang="ko-KR" dirty="0" smtClean="0">
+              <a:rPr lang="en-US" altLang="ko-KR" sz="1400" dirty="0" smtClean="0">
                 <a:sym typeface="Wingdings" panose="05000000000000000000" pitchFamily="2" charset="2"/>
               </a:rPr>
               <a:t>Layout</a:t>
             </a:r>
             <a:r>
-              <a:rPr lang="ko-KR" altLang="en-US" dirty="0" smtClean="0">
+              <a:rPr lang="ko-KR" altLang="en-US" sz="1400" dirty="0" smtClean="0">
                 <a:sym typeface="Wingdings" panose="05000000000000000000" pitchFamily="2" charset="2"/>
               </a:rPr>
               <a:t>을 화면에 설정</a:t>
             </a:r>
-            <a:endParaRPr lang="ko-KR" altLang="en-US" dirty="0"/>
+            <a:endParaRPr lang="ko-KR" altLang="en-US" sz="1400" dirty="0"/>
           </a:p>
         </p:txBody>
       </p:sp>
@@ -6229,6 +6254,13 @@
   <p:clrMapOvr>
     <a:masterClrMapping/>
   </p:clrMapOvr>
+  <p:timing>
+    <p:tnLst>
+      <p:par>
+        <p:cTn id="1" dur="indefinite" restart="never" nodeType="tmRoot"/>
+      </p:par>
+    </p:tnLst>
+  </p:timing>
 </p:sld>
 </file>
 
@@ -6740,6 +6772,13 @@
   <p:clrMapOvr>
     <a:masterClrMapping/>
   </p:clrMapOvr>
+  <p:timing>
+    <p:tnLst>
+      <p:par>
+        <p:cTn id="1" dur="indefinite" restart="never" nodeType="tmRoot"/>
+      </p:par>
+    </p:tnLst>
+  </p:timing>
 </p:sld>
 </file>
 
@@ -7112,6 +7151,13 @@
   <p:clrMapOvr>
     <a:masterClrMapping/>
   </p:clrMapOvr>
+  <p:timing>
+    <p:tnLst>
+      <p:par>
+        <p:cTn id="1" dur="indefinite" restart="never" nodeType="tmRoot"/>
+      </p:par>
+    </p:tnLst>
+  </p:timing>
 </p:sld>
 </file>
 
@@ -8096,6 +8142,13 @@
   <p:clrMapOvr>
     <a:masterClrMapping/>
   </p:clrMapOvr>
+  <p:timing>
+    <p:tnLst>
+      <p:par>
+        <p:cTn id="1" dur="indefinite" restart="never" nodeType="tmRoot"/>
+      </p:par>
+    </p:tnLst>
+  </p:timing>
 </p:sld>
 </file>
 
@@ -8544,6 +8597,13 @@
   <p:clrMapOvr>
     <a:masterClrMapping/>
   </p:clrMapOvr>
+  <p:timing>
+    <p:tnLst>
+      <p:par>
+        <p:cTn id="1" dur="indefinite" restart="never" nodeType="tmRoot"/>
+      </p:par>
+    </p:tnLst>
+  </p:timing>
 </p:sld>
 </file>
 
@@ -9298,6 +9358,13 @@
   <p:clrMapOvr>
     <a:masterClrMapping/>
   </p:clrMapOvr>
+  <p:timing>
+    <p:tnLst>
+      <p:par>
+        <p:cTn id="1" dur="indefinite" restart="never" nodeType="tmRoot"/>
+      </p:par>
+    </p:tnLst>
+  </p:timing>
 </p:sld>
 </file>
 
@@ -10614,6 +10681,13 @@
   <p:clrMapOvr>
     <a:masterClrMapping/>
   </p:clrMapOvr>
+  <p:timing>
+    <p:tnLst>
+      <p:par>
+        <p:cTn id="1" dur="indefinite" restart="never" nodeType="tmRoot"/>
+      </p:par>
+    </p:tnLst>
+  </p:timing>
 </p:sld>
 </file>
 
@@ -11534,6 +11608,13 @@
   <p:clrMapOvr>
     <a:masterClrMapping/>
   </p:clrMapOvr>
+  <p:timing>
+    <p:tnLst>
+      <p:par>
+        <p:cTn id="1" dur="indefinite" restart="never" nodeType="tmRoot"/>
+      </p:par>
+    </p:tnLst>
+  </p:timing>
 </p:sld>
 </file>
 
@@ -12281,6 +12362,13 @@
   <p:clrMapOvr>
     <a:masterClrMapping/>
   </p:clrMapOvr>
+  <p:timing>
+    <p:tnLst>
+      <p:par>
+        <p:cTn id="1" dur="indefinite" restart="never" nodeType="tmRoot"/>
+      </p:par>
+    </p:tnLst>
+  </p:timing>
 </p:sld>
 </file>
 
@@ -13050,6 +13138,13 @@
   <p:clrMapOvr>
     <a:masterClrMapping/>
   </p:clrMapOvr>
+  <p:timing>
+    <p:tnLst>
+      <p:par>
+        <p:cTn id="1" dur="indefinite" restart="never" nodeType="tmRoot"/>
+      </p:par>
+    </p:tnLst>
+  </p:timing>
 </p:sld>
 </file>
 
@@ -13675,11 +13770,18 @@
   <p:clrMapOvr>
     <a:masterClrMapping/>
   </p:clrMapOvr>
+  <p:timing>
+    <p:tnLst>
+      <p:par>
+        <p:cTn id="1" dur="indefinite" restart="never" nodeType="tmRoot"/>
+      </p:par>
+    </p:tnLst>
+  </p:timing>
 </p:sld>
 </file>
 
 <file path=ppt/slides/slide26.xml><?xml version="1.0" encoding="utf-8"?>
-<p:sld xmlns:a="http://schemas.openxmlformats.org/drawingml/2006/main" xmlns:r="http://schemas.openxmlformats.org/officeDocument/2006/relationships" xmlns:p="http://schemas.openxmlformats.org/presentationml/2006/main" show="0">
+<p:sld xmlns:a="http://schemas.openxmlformats.org/drawingml/2006/main" xmlns:r="http://schemas.openxmlformats.org/officeDocument/2006/relationships" xmlns:p="http://schemas.openxmlformats.org/presentationml/2006/main">
   <p:cSld>
     <p:spTree>
       <p:nvGrpSpPr>
@@ -13887,6 +13989,13 @@
       <p:transition spd="slow"/>
     </mc:Fallback>
   </mc:AlternateContent>
+  <p:timing>
+    <p:tnLst>
+      <p:par>
+        <p:cTn id="1" dur="indefinite" restart="never" nodeType="tmRoot"/>
+      </p:par>
+    </p:tnLst>
+  </p:timing>
 </p:sld>
 </file>
 
@@ -14458,6 +14567,13 @@
   <p:clrMapOvr>
     <a:masterClrMapping/>
   </p:clrMapOvr>
+  <p:timing>
+    <p:tnLst>
+      <p:par>
+        <p:cTn id="1" dur="indefinite" restart="never" nodeType="tmRoot"/>
+      </p:par>
+    </p:tnLst>
+  </p:timing>
 </p:sld>
 </file>
 
@@ -15056,6 +15172,13 @@
   <p:clrMapOvr>
     <a:masterClrMapping/>
   </p:clrMapOvr>
+  <p:timing>
+    <p:tnLst>
+      <p:par>
+        <p:cTn id="1" dur="indefinite" restart="never" nodeType="tmRoot"/>
+      </p:par>
+    </p:tnLst>
+  </p:timing>
 </p:sld>
 </file>
 
@@ -21761,13 +21884,7 @@
               <a:rPr lang="ko-KR" altLang="en-US" dirty="0" smtClean="0">
                 <a:sym typeface="Wingdings" panose="05000000000000000000" pitchFamily="2" charset="2"/>
               </a:rPr>
-              <a:t>속성을 </a:t>
-            </a:r>
-            <a:r>
-              <a:rPr lang="ko-KR" altLang="en-US" dirty="0" smtClean="0">
-                <a:sym typeface="Wingdings" panose="05000000000000000000" pitchFamily="2" charset="2"/>
-              </a:rPr>
-              <a:t>지정할 수도 있습니다</a:t>
+              <a:t>속성을 지정할 수도 있습니다</a:t>
             </a:r>
             <a:r>
               <a:rPr lang="en-US" altLang="ko-KR" dirty="0" smtClean="0">
@@ -21959,13 +22076,7 @@
               <a:rPr lang="ko-KR" altLang="en-US" dirty="0" smtClean="0">
                 <a:sym typeface="Wingdings" panose="05000000000000000000" pitchFamily="2" charset="2"/>
               </a:rPr>
-              <a:t> </a:t>
-            </a:r>
-            <a:r>
-              <a:rPr lang="ko-KR" altLang="en-US" dirty="0" smtClean="0">
-                <a:sym typeface="Wingdings" panose="05000000000000000000" pitchFamily="2" charset="2"/>
-              </a:rPr>
-              <a:t>버튼을 추가합니다</a:t>
+              <a:t> 버튼을 추가합니다</a:t>
             </a:r>
             <a:r>
               <a:rPr lang="en-US" altLang="ko-KR" dirty="0" smtClean="0">
@@ -23598,7 +23709,22 @@
               <a:rPr lang="ko-KR" altLang="en-US" dirty="0">
                 <a:sym typeface="Wingdings" panose="05000000000000000000" pitchFamily="2" charset="2"/>
               </a:rPr>
-              <a:t>위쪽에 버튼을 두고</a:t>
+              <a:t>위쪽에 </a:t>
+            </a:r>
+            <a:r>
+              <a:rPr lang="ko-KR" altLang="en-US" b="1" dirty="0">
+                <a:solidFill>
+                  <a:srgbClr val="C00000"/>
+                </a:solidFill>
+                <a:sym typeface="Wingdings" panose="05000000000000000000" pitchFamily="2" charset="2"/>
+              </a:rPr>
+              <a:t>버튼</a:t>
+            </a:r>
+            <a:r>
+              <a:rPr lang="ko-KR" altLang="en-US" dirty="0">
+                <a:sym typeface="Wingdings" panose="05000000000000000000" pitchFamily="2" charset="2"/>
+              </a:rPr>
+              <a:t>을 두고</a:t>
             </a:r>
             <a:r>
               <a:rPr lang="en-US" altLang="ko-KR" dirty="0">
@@ -23725,24 +23851,18 @@
               <a:rPr lang="en-US" altLang="ko-KR" b="1" dirty="0" smtClean="0">
                 <a:sym typeface="Wingdings" panose="05000000000000000000" pitchFamily="2" charset="2"/>
               </a:rPr>
-              <a:t>/</a:t>
+              <a:t>/app/res/</a:t>
+            </a:r>
+            <a:r>
+              <a:rPr lang="en-US" altLang="ko-KR" b="1" dirty="0" err="1" smtClean="0">
+                <a:sym typeface="Wingdings" panose="05000000000000000000" pitchFamily="2" charset="2"/>
+              </a:rPr>
+              <a:t>drawable</a:t>
             </a:r>
             <a:r>
               <a:rPr lang="en-US" altLang="ko-KR" b="1" dirty="0" smtClean="0">
                 <a:sym typeface="Wingdings" panose="05000000000000000000" pitchFamily="2" charset="2"/>
               </a:rPr>
-              <a:t>app/res/</a:t>
-            </a:r>
-            <a:r>
-              <a:rPr lang="en-US" altLang="ko-KR" b="1" dirty="0" err="1" smtClean="0">
-                <a:sym typeface="Wingdings" panose="05000000000000000000" pitchFamily="2" charset="2"/>
-              </a:rPr>
-              <a:t>drawable</a:t>
-            </a:r>
-            <a:r>
-              <a:rPr lang="en-US" altLang="ko-KR" b="1" dirty="0" smtClean="0">
-                <a:sym typeface="Wingdings" panose="05000000000000000000" pitchFamily="2" charset="2"/>
-              </a:rPr>
               <a:t> </a:t>
             </a:r>
             <a:r>
@@ -23755,13 +23875,7 @@
               <a:rPr lang="ko-KR" altLang="en-US" dirty="0" smtClean="0">
                 <a:sym typeface="Wingdings" panose="05000000000000000000" pitchFamily="2" charset="2"/>
               </a:rPr>
-              <a:t>에 </a:t>
-            </a:r>
-            <a:r>
-              <a:rPr lang="ko-KR" altLang="en-US" dirty="0" smtClean="0">
-                <a:sym typeface="Wingdings" panose="05000000000000000000" pitchFamily="2" charset="2"/>
-              </a:rPr>
-              <a:t>넣어주어야 합니다</a:t>
+              <a:t>에 넣어주어야 합니다</a:t>
             </a:r>
             <a:r>
               <a:rPr lang="en-US" altLang="ko-KR" dirty="0" smtClean="0">
@@ -23775,13 +23889,7 @@
               <a:rPr lang="ko-KR" altLang="en-US" dirty="0" smtClean="0">
                 <a:sym typeface="Wingdings" panose="05000000000000000000" pitchFamily="2" charset="2"/>
               </a:rPr>
-              <a:t>파일 탐색기에서 </a:t>
-            </a:r>
-            <a:r>
-              <a:rPr lang="ko-KR" altLang="en-US" dirty="0" smtClean="0">
-                <a:sym typeface="Wingdings" panose="05000000000000000000" pitchFamily="2" charset="2"/>
-              </a:rPr>
-              <a:t>이미지 파일을 추가하려면 프로젝트에서 </a:t>
+              <a:t>파일 탐색기에서 이미지 파일을 추가하려면 프로젝트에서 </a:t>
             </a:r>
             <a:r>
               <a:rPr lang="en-US" altLang="ko-KR" b="1" dirty="0" smtClean="0">
@@ -25056,13 +25164,7 @@
               <a:rPr lang="ko-KR" altLang="en-US" dirty="0" smtClean="0">
                 <a:sym typeface="Wingdings" panose="05000000000000000000" pitchFamily="2" charset="2"/>
               </a:rPr>
-              <a:t>속성값에 </a:t>
-            </a:r>
-            <a:r>
-              <a:rPr lang="ko-KR" altLang="en-US" dirty="0" smtClean="0">
-                <a:sym typeface="Wingdings" panose="05000000000000000000" pitchFamily="2" charset="2"/>
-              </a:rPr>
-              <a:t>이미지 파일이름을 찾아 넣고</a:t>
+              <a:t>속성값에 이미지 파일이름을 찾아 넣고</a:t>
             </a:r>
             <a:r>
               <a:rPr lang="en-US" altLang="ko-KR" dirty="0" smtClean="0">
@@ -27473,10 +27575,19 @@
               <a:buNone/>
             </a:pPr>
             <a:r>
-              <a:rPr lang="en-US" altLang="ko-KR" dirty="0" smtClean="0">
-                <a:sym typeface="Wingdings" panose="05000000000000000000" pitchFamily="2" charset="2"/>
-              </a:rPr>
-              <a:t>Containers  ScrollView/</a:t>
+              <a:rPr lang="en-US" altLang="ko-KR" b="1" dirty="0" smtClean="0">
+                <a:solidFill>
+                  <a:srgbClr val="C00000"/>
+                </a:solidFill>
+                <a:sym typeface="Wingdings" panose="05000000000000000000" pitchFamily="2" charset="2"/>
+              </a:rPr>
+              <a:t>Containers</a:t>
+            </a:r>
+            <a:r>
+              <a:rPr lang="en-US" altLang="ko-KR" dirty="0" smtClean="0">
+                <a:sym typeface="Wingdings" panose="05000000000000000000" pitchFamily="2" charset="2"/>
+              </a:rPr>
+              <a:t>  ScrollView/</a:t>
             </a:r>
             <a:r>
               <a:rPr lang="en-US" altLang="ko-KR" dirty="0" err="1" smtClean="0">
@@ -27488,13 +27599,7 @@
               <a:rPr lang="ko-KR" altLang="en-US" dirty="0" smtClean="0">
                 <a:sym typeface="Wingdings" panose="05000000000000000000" pitchFamily="2" charset="2"/>
               </a:rPr>
-              <a:t>는 </a:t>
-            </a:r>
-            <a:r>
-              <a:rPr lang="ko-KR" altLang="en-US" dirty="0" smtClean="0">
-                <a:sym typeface="Wingdings" panose="05000000000000000000" pitchFamily="2" charset="2"/>
-              </a:rPr>
-              <a:t>추가된 뷰 영역이 한 화면에 다 보이지 않을 때 사용합니다</a:t>
+              <a:t>는 추가된 뷰 영역이 한 화면에 다 보이지 않을 때 사용합니다</a:t>
             </a:r>
             <a:r>
               <a:rPr lang="en-US" altLang="ko-KR" dirty="0" smtClean="0">
@@ -27502,9 +27607,6 @@
               </a:rPr>
               <a:t>.  </a:t>
             </a:r>
-            <a:endParaRPr lang="en-US" altLang="ko-KR" dirty="0" smtClean="0">
-              <a:sym typeface="Wingdings" panose="05000000000000000000" pitchFamily="2" charset="2"/>
-            </a:endParaRPr>
           </a:p>
           <a:p>
             <a:pPr marL="0" indent="0">
@@ -27526,31 +27628,13 @@
               <a:rPr lang="ko-KR" altLang="en-US" dirty="0" smtClean="0">
                 <a:sym typeface="Wingdings" panose="05000000000000000000" pitchFamily="2" charset="2"/>
               </a:rPr>
-              <a:t> </a:t>
-            </a:r>
-            <a:r>
-              <a:rPr lang="ko-KR" altLang="en-US" dirty="0" smtClean="0">
-                <a:sym typeface="Wingdings" panose="05000000000000000000" pitchFamily="2" charset="2"/>
-              </a:rPr>
-              <a:t>추가하고 그 안에 뷰를 넣으면 스크롤이 생기게 됩니다</a:t>
-            </a:r>
-            <a:r>
-              <a:rPr lang="en-US" altLang="ko-KR" dirty="0" smtClean="0">
-                <a:sym typeface="Wingdings" panose="05000000000000000000" pitchFamily="2" charset="2"/>
-              </a:rPr>
-              <a:t>. </a:t>
-            </a:r>
-            <a:r>
-              <a:rPr lang="en-US" altLang="ko-KR" dirty="0" smtClean="0">
-                <a:sym typeface="Wingdings" panose="05000000000000000000" pitchFamily="2" charset="2"/>
-              </a:rPr>
-              <a:t>(ScrollView is vertical by default)</a:t>
-            </a:r>
-            <a:r>
-              <a:rPr lang="en-US" altLang="ko-KR" dirty="0" smtClean="0">
-                <a:sym typeface="Wingdings" panose="05000000000000000000" pitchFamily="2" charset="2"/>
-              </a:rPr>
-              <a:t/>
+              <a:t> 추가하고 그 안에 뷰를 넣으면 스크롤이 생기게 됩니다</a:t>
+            </a:r>
+            <a:r>
+              <a:rPr lang="en-US" altLang="ko-KR" dirty="0" smtClean="0">
+                <a:sym typeface="Wingdings" panose="05000000000000000000" pitchFamily="2" charset="2"/>
+              </a:rPr>
+              <a:t>. (ScrollView is vertical by default)</a:t>
             </a:r>
             <a:br>
               <a:rPr lang="en-US" altLang="ko-KR" dirty="0" smtClean="0">
@@ -27584,19 +27668,7 @@
               <a:rPr lang="ko-KR" altLang="en-US" dirty="0" smtClean="0">
                 <a:sym typeface="Wingdings" panose="05000000000000000000" pitchFamily="2" charset="2"/>
               </a:rPr>
-              <a:t>를 </a:t>
-            </a:r>
-            <a:r>
-              <a:rPr lang="ko-KR" altLang="en-US" dirty="0" smtClean="0">
-                <a:sym typeface="Wingdings" panose="05000000000000000000" pitchFamily="2" charset="2"/>
-              </a:rPr>
-              <a:t>시작하</a:t>
-            </a:r>
-            <a:r>
-              <a:rPr lang="ko-KR" altLang="en-US" dirty="0" smtClean="0">
-                <a:sym typeface="Wingdings" panose="05000000000000000000" pitchFamily="2" charset="2"/>
-              </a:rPr>
-              <a:t>고</a:t>
+              <a:t>를 시작하고</a:t>
             </a:r>
             <a:r>
               <a:rPr lang="en-US" altLang="ko-KR" dirty="0" smtClean="0">
@@ -27628,9 +27700,6 @@
               </a:rPr>
               <a:t>.</a:t>
             </a:r>
-            <a:endParaRPr lang="en-US" altLang="ko-KR" dirty="0" smtClean="0">
-              <a:sym typeface="Wingdings" panose="05000000000000000000" pitchFamily="2" charset="2"/>
-            </a:endParaRPr>
           </a:p>
           <a:p>
             <a:r>
@@ -27655,13 +27724,7 @@
               <a:rPr lang="ko-KR" altLang="en-US" dirty="0" smtClean="0">
                 <a:sym typeface="Wingdings" panose="05000000000000000000" pitchFamily="2" charset="2"/>
               </a:rPr>
-              <a:t>폴더에 두 </a:t>
-            </a:r>
-            <a:r>
-              <a:rPr lang="ko-KR" altLang="en-US" dirty="0" smtClean="0">
-                <a:sym typeface="Wingdings" panose="05000000000000000000" pitchFamily="2" charset="2"/>
-              </a:rPr>
-              <a:t>이미지</a:t>
+              <a:t>폴더에 두 이미지</a:t>
             </a:r>
             <a:r>
               <a:rPr lang="en-US" altLang="ko-KR" dirty="0" smtClean="0">
@@ -27681,9 +27744,6 @@
               </a:rPr>
               <a:t> </a:t>
             </a:r>
-            <a:endParaRPr lang="en-US" altLang="ko-KR" dirty="0" smtClean="0">
-              <a:sym typeface="Wingdings" panose="05000000000000000000" pitchFamily="2" charset="2"/>
-            </a:endParaRPr>
           </a:p>
           <a:p>
             <a:r>
@@ -27722,9 +27782,6 @@
               </a:rPr>
               <a:t>. </a:t>
             </a:r>
-            <a:endParaRPr lang="en-US" altLang="ko-KR" dirty="0" smtClean="0">
-              <a:sym typeface="Wingdings" panose="05000000000000000000" pitchFamily="2" charset="2"/>
-            </a:endParaRPr>
           </a:p>
           <a:p>
             <a:pPr lvl="1"/>
@@ -27788,9 +27845,6 @@
               </a:rPr>
               <a:t>. </a:t>
             </a:r>
-            <a:endParaRPr lang="en-US" altLang="ko-KR" dirty="0" smtClean="0">
-              <a:sym typeface="Wingdings" panose="05000000000000000000" pitchFamily="2" charset="2"/>
-            </a:endParaRPr>
           </a:p>
           <a:p>
             <a:endParaRPr lang="en-US" altLang="ko-KR" dirty="0" smtClean="0">
@@ -30155,6 +30209,13 @@
   <p:clrMapOvr>
     <a:masterClrMapping/>
   </p:clrMapOvr>
+  <p:timing>
+    <p:tnLst>
+      <p:par>
+        <p:cTn id="1" dur="indefinite" restart="never" nodeType="tmRoot"/>
+      </p:par>
+    </p:tnLst>
+  </p:timing>
 </p:sld>
 </file>
 
@@ -30953,23 +31014,7 @@
                   <a:srgbClr val="C00000"/>
                 </a:solidFill>
               </a:rPr>
-              <a:t>the actual</a:t>
-            </a:r>
-            <a:r>
-              <a:rPr lang="en-US" altLang="ko-KR" sz="1600" dirty="0" smtClean="0">
-                <a:solidFill>
-                  <a:srgbClr val="C00000"/>
-                </a:solidFill>
-              </a:rPr>
-              <a:t> </a:t>
-            </a:r>
-            <a:r>
-              <a:rPr lang="en-US" altLang="ko-KR" sz="1600" dirty="0" smtClean="0">
-                <a:solidFill>
-                  <a:srgbClr val="C00000"/>
-                </a:solidFill>
-              </a:rPr>
-              <a:t>image file name</a:t>
+              <a:t>the actual image file name</a:t>
             </a:r>
             <a:endParaRPr lang="ko-KR" altLang="en-US" sz="1600" dirty="0">
               <a:solidFill>
@@ -31428,23 +31473,7 @@
                   <a:srgbClr val="C00000"/>
                 </a:solidFill>
               </a:rPr>
-              <a:t>다른 이미지 리소스로 </a:t>
-            </a:r>
-            <a:r>
-              <a:rPr lang="ko-KR" altLang="en-US" sz="1600" dirty="0" smtClean="0">
-                <a:solidFill>
-                  <a:srgbClr val="C00000"/>
-                </a:solidFill>
-              </a:rPr>
-              <a:t>변</a:t>
-            </a:r>
-            <a:r>
-              <a:rPr lang="ko-KR" altLang="en-US" sz="1600" dirty="0" smtClean="0">
-                <a:solidFill>
-                  <a:srgbClr val="C00000"/>
-                </a:solidFill>
-              </a:rPr>
-              <a:t>경</a:t>
+              <a:t>다른 이미지 리소스로 변경</a:t>
             </a:r>
             <a:endParaRPr lang="ko-KR" altLang="en-US" sz="1600" dirty="0">
               <a:solidFill>
@@ -31528,15 +31557,7 @@
                   <a:srgbClr val="C00000"/>
                 </a:solidFill>
               </a:rPr>
-              <a:t>actual</a:t>
-            </a:r>
-            <a:r>
-              <a:rPr lang="en-US" altLang="ko-KR" sz="1600" dirty="0" err="1" smtClean="0">
-                <a:solidFill>
-                  <a:srgbClr val="C00000"/>
-                </a:solidFill>
-              </a:rPr>
-              <a:t>l</a:t>
+              <a:t>actuall</a:t>
             </a:r>
             <a:r>
               <a:rPr lang="en-US" altLang="ko-KR" sz="1600" dirty="0" smtClean="0">
@@ -31544,15 +31565,7 @@
                   <a:srgbClr val="C00000"/>
                 </a:solidFill>
               </a:rPr>
-              <a:t> </a:t>
-            </a:r>
-            <a:r>
-              <a:rPr lang="en-US" altLang="ko-KR" sz="1600" dirty="0" smtClean="0">
-                <a:solidFill>
-                  <a:srgbClr val="C00000"/>
-                </a:solidFill>
-              </a:rPr>
-              <a:t>image file name</a:t>
+              <a:t> image file name</a:t>
             </a:r>
             <a:endParaRPr lang="ko-KR" altLang="en-US" sz="1600" dirty="0">
               <a:solidFill>
@@ -32037,7 +32050,7 @@
               <a:rPr lang="en-US" altLang="ko-KR" dirty="0" smtClean="0">
                 <a:sym typeface="Wingdings" panose="05000000000000000000" pitchFamily="2" charset="2"/>
               </a:rPr>
-              <a:t>Identify some redundant codes MainActivity.java if any. </a:t>
+              <a:t>Identify some redundant codes in MainActivity.java if any. </a:t>
             </a:r>
             <a:endParaRPr lang="en-US" altLang="ko-KR" dirty="0">
               <a:sym typeface="Wingdings" panose="05000000000000000000" pitchFamily="2" charset="2"/>
@@ -32118,125 +32131,86 @@
               <a:t>를 수정하여 </a:t>
             </a:r>
             <a:r>
-              <a:rPr lang="en-US" altLang="ko-KR" dirty="0" smtClean="0">
-                <a:sym typeface="Wingdings" panose="05000000000000000000" pitchFamily="2" charset="2"/>
-              </a:rPr>
-              <a:t>DoMyMission03</a:t>
-            </a:r>
-            <a:r>
-              <a:rPr lang="ko-KR" altLang="en-US" dirty="0" smtClean="0">
-                <a:sym typeface="Wingdings" panose="05000000000000000000" pitchFamily="2" charset="2"/>
-              </a:rPr>
-              <a:t>와 같이 버튼을 하나만 사용하는 작업을 하려고 하며</a:t>
-            </a:r>
-            <a:r>
-              <a:rPr lang="en-US" altLang="ko-KR" dirty="0" smtClean="0">
-                <a:sym typeface="Wingdings" panose="05000000000000000000" pitchFamily="2" charset="2"/>
-              </a:rPr>
-              <a:t>,  </a:t>
-            </a:r>
-            <a:r>
-              <a:rPr lang="ko-KR" altLang="en-US" dirty="0" smtClean="0">
-                <a:sym typeface="Wingdings" panose="05000000000000000000" pitchFamily="2" charset="2"/>
-              </a:rPr>
-              <a:t>그 과정 중에 다양한 새로운 것들도 또한 배우고자 합니다</a:t>
-            </a:r>
-            <a:r>
-              <a:rPr lang="en-US" altLang="ko-KR" dirty="0" smtClean="0">
-                <a:sym typeface="Wingdings" panose="05000000000000000000" pitchFamily="2" charset="2"/>
-              </a:rPr>
-              <a:t>. </a:t>
-            </a:r>
-          </a:p>
-          <a:p>
-            <a:r>
-              <a:rPr lang="en-US" altLang="ko-KR" dirty="0" smtClean="0">
-                <a:sym typeface="Wingdings" panose="05000000000000000000" pitchFamily="2" charset="2"/>
-              </a:rPr>
-              <a:t>Step 1: </a:t>
-            </a:r>
-          </a:p>
-          <a:p>
-            <a:pPr lvl="1"/>
-            <a:r>
-              <a:rPr lang="en-US" altLang="ko-KR" dirty="0" smtClean="0">
-                <a:sym typeface="Wingdings" panose="05000000000000000000" pitchFamily="2" charset="2"/>
-              </a:rPr>
-              <a:t>DoitMission03</a:t>
-            </a:r>
-            <a:r>
-              <a:rPr lang="ko-KR" altLang="en-US" dirty="0" smtClean="0">
-                <a:sym typeface="Wingdings" panose="05000000000000000000" pitchFamily="2" charset="2"/>
-              </a:rPr>
-              <a:t>폴더를 복사하여 </a:t>
-            </a:r>
-            <a:r>
-              <a:rPr lang="en-US" altLang="ko-KR" dirty="0" smtClean="0">
-                <a:sym typeface="Wingdings" panose="05000000000000000000" pitchFamily="2" charset="2"/>
-              </a:rPr>
-              <a:t/>
-            </a:r>
-            <a:br>
-              <a:rPr lang="en-US" altLang="ko-KR" dirty="0" smtClean="0">
-                <a:sym typeface="Wingdings" panose="05000000000000000000" pitchFamily="2" charset="2"/>
-              </a:rPr>
-            </a:br>
-            <a:r>
-              <a:rPr lang="en-US" altLang="ko-KR" dirty="0" smtClean="0">
-                <a:sym typeface="Wingdings" panose="05000000000000000000" pitchFamily="2" charset="2"/>
-              </a:rPr>
-              <a:t>DoMyMission03 </a:t>
-            </a:r>
-            <a:r>
-              <a:rPr lang="ko-KR" altLang="en-US" dirty="0" smtClean="0">
-                <a:sym typeface="Wingdings" panose="05000000000000000000" pitchFamily="2" charset="2"/>
-              </a:rPr>
-              <a:t>폴더를 생성하십시오</a:t>
-            </a:r>
-            <a:r>
-              <a:rPr lang="en-US" altLang="ko-KR" dirty="0" smtClean="0">
-                <a:sym typeface="Wingdings" panose="05000000000000000000" pitchFamily="2" charset="2"/>
-              </a:rPr>
-              <a:t>. </a:t>
-            </a:r>
-          </a:p>
-          <a:p>
-            <a:pPr indent="-285750"/>
-            <a:r>
-              <a:rPr lang="en-US" altLang="ko-KR" dirty="0" smtClean="0">
-                <a:sym typeface="Wingdings" panose="05000000000000000000" pitchFamily="2" charset="2"/>
-              </a:rPr>
-              <a:t>Step 2:</a:t>
-            </a:r>
-          </a:p>
-          <a:p>
-            <a:pPr lvl="1"/>
-            <a:r>
-              <a:rPr lang="en-US" altLang="ko-KR" dirty="0" smtClean="0">
-                <a:sym typeface="Wingdings" panose="05000000000000000000" pitchFamily="2" charset="2"/>
-              </a:rPr>
-              <a:t>File Open </a:t>
-            </a:r>
-            <a:r>
-              <a:rPr lang="ko-KR" altLang="en-US" dirty="0" smtClean="0">
-                <a:sym typeface="Wingdings" panose="05000000000000000000" pitchFamily="2" charset="2"/>
-              </a:rPr>
-              <a:t>메뉴로 </a:t>
-            </a:r>
-            <a:r>
-              <a:rPr lang="en-US" altLang="ko-KR" dirty="0" smtClean="0">
-                <a:sym typeface="Wingdings" panose="05000000000000000000" pitchFamily="2" charset="2"/>
-              </a:rPr>
-              <a:t>Do</a:t>
-            </a:r>
-            <a:r>
               <a:rPr lang="en-US" altLang="ko-KR" b="1" dirty="0" smtClean="0">
                 <a:solidFill>
                   <a:srgbClr val="C00000"/>
                 </a:solidFill>
                 <a:sym typeface="Wingdings" panose="05000000000000000000" pitchFamily="2" charset="2"/>
               </a:rPr>
-              <a:t>My</a:t>
+              <a:t>Joy</a:t>
+            </a:r>
+            <a:r>
+              <a:rPr lang="en-US" altLang="ko-KR" dirty="0" smtClean="0">
+                <a:sym typeface="Wingdings" panose="05000000000000000000" pitchFamily="2" charset="2"/>
+              </a:rPr>
+              <a:t>Mission03</a:t>
+            </a:r>
+            <a:r>
+              <a:rPr lang="ko-KR" altLang="en-US" dirty="0" smtClean="0">
+                <a:sym typeface="Wingdings" panose="05000000000000000000" pitchFamily="2" charset="2"/>
+              </a:rPr>
+              <a:t>와 같이 버튼을 하나만 사용하는 작업을 하려고 하며</a:t>
+            </a:r>
+            <a:r>
+              <a:rPr lang="en-US" altLang="ko-KR" dirty="0" smtClean="0">
+                <a:sym typeface="Wingdings" panose="05000000000000000000" pitchFamily="2" charset="2"/>
+              </a:rPr>
+              <a:t>,  </a:t>
+            </a:r>
+            <a:r>
+              <a:rPr lang="ko-KR" altLang="en-US" dirty="0" smtClean="0">
+                <a:sym typeface="Wingdings" panose="05000000000000000000" pitchFamily="2" charset="2"/>
+              </a:rPr>
+              <a:t>그 과정 중에 다양한 새로운 것들도 또한 배우고자 합니다</a:t>
+            </a:r>
+            <a:r>
+              <a:rPr lang="en-US" altLang="ko-KR" dirty="0" smtClean="0">
+                <a:sym typeface="Wingdings" panose="05000000000000000000" pitchFamily="2" charset="2"/>
+              </a:rPr>
+              <a:t>. </a:t>
+            </a:r>
+          </a:p>
+          <a:p>
+            <a:r>
+              <a:rPr lang="en-US" altLang="ko-KR" dirty="0" smtClean="0">
+                <a:sym typeface="Wingdings" panose="05000000000000000000" pitchFamily="2" charset="2"/>
+              </a:rPr>
+              <a:t>Step 1: </a:t>
+            </a:r>
+          </a:p>
+          <a:p>
+            <a:pPr lvl="1"/>
+            <a:r>
+              <a:rPr lang="en-US" altLang="ko-KR" dirty="0" smtClean="0">
+                <a:sym typeface="Wingdings" panose="05000000000000000000" pitchFamily="2" charset="2"/>
+              </a:rPr>
+              <a:t>DoitMission03</a:t>
+            </a:r>
+            <a:r>
+              <a:rPr lang="ko-KR" altLang="en-US" dirty="0" smtClean="0">
+                <a:sym typeface="Wingdings" panose="05000000000000000000" pitchFamily="2" charset="2"/>
+              </a:rPr>
+              <a:t>폴더를 복사하여 </a:t>
+            </a:r>
+            <a:r>
+              <a:rPr lang="en-US" altLang="ko-KR" dirty="0" smtClean="0">
+                <a:sym typeface="Wingdings" panose="05000000000000000000" pitchFamily="2" charset="2"/>
+              </a:rPr>
+              <a:t/>
+            </a:r>
+            <a:br>
+              <a:rPr lang="en-US" altLang="ko-KR" dirty="0" smtClean="0">
+                <a:sym typeface="Wingdings" panose="05000000000000000000" pitchFamily="2" charset="2"/>
+              </a:rPr>
+            </a:br>
+            <a:r>
+              <a:rPr lang="en-US" altLang="ko-KR" b="1" dirty="0" smtClean="0">
+                <a:solidFill>
+                  <a:srgbClr val="C00000"/>
+                </a:solidFill>
+                <a:sym typeface="Wingdings" panose="05000000000000000000" pitchFamily="2" charset="2"/>
+              </a:rPr>
+              <a:t>Joy</a:t>
             </a:r>
             <a:r>
               <a:rPr lang="en-US" altLang="ko-KR" dirty="0" smtClean="0">
@@ -32248,6 +32222,57 @@
               <a:rPr lang="ko-KR" altLang="en-US" dirty="0" smtClean="0">
                 <a:sym typeface="Wingdings" panose="05000000000000000000" pitchFamily="2" charset="2"/>
               </a:rPr>
+              <a:t>폴더를 생성하십시오</a:t>
+            </a:r>
+            <a:r>
+              <a:rPr lang="en-US" altLang="ko-KR" dirty="0" smtClean="0">
+                <a:sym typeface="Wingdings" panose="05000000000000000000" pitchFamily="2" charset="2"/>
+              </a:rPr>
+              <a:t>. </a:t>
+            </a:r>
+          </a:p>
+          <a:p>
+            <a:pPr indent="-285750"/>
+            <a:r>
+              <a:rPr lang="en-US" altLang="ko-KR" dirty="0" smtClean="0">
+                <a:sym typeface="Wingdings" panose="05000000000000000000" pitchFamily="2" charset="2"/>
+              </a:rPr>
+              <a:t>Step 2:</a:t>
+            </a:r>
+          </a:p>
+          <a:p>
+            <a:pPr lvl="1"/>
+            <a:r>
+              <a:rPr lang="en-US" altLang="ko-KR" dirty="0" smtClean="0">
+                <a:sym typeface="Wingdings" panose="05000000000000000000" pitchFamily="2" charset="2"/>
+              </a:rPr>
+              <a:t>File Open </a:t>
+            </a:r>
+            <a:r>
+              <a:rPr lang="ko-KR" altLang="en-US" dirty="0" smtClean="0">
+                <a:sym typeface="Wingdings" panose="05000000000000000000" pitchFamily="2" charset="2"/>
+              </a:rPr>
+              <a:t>메뉴로 </a:t>
+            </a:r>
+            <a:r>
+              <a:rPr lang="en-US" altLang="ko-KR" b="1" dirty="0" smtClean="0">
+                <a:solidFill>
+                  <a:srgbClr val="C00000"/>
+                </a:solidFill>
+                <a:sym typeface="Wingdings" panose="05000000000000000000" pitchFamily="2" charset="2"/>
+              </a:rPr>
+              <a:t>Joy</a:t>
+            </a:r>
+            <a:r>
+              <a:rPr lang="en-US" altLang="ko-KR" dirty="0" smtClean="0">
+                <a:sym typeface="Wingdings" panose="05000000000000000000" pitchFamily="2" charset="2"/>
+              </a:rPr>
+              <a:t>Mission03 </a:t>
+            </a:r>
+            <a:r>
+              <a:rPr lang="ko-KR" altLang="en-US" dirty="0" smtClean="0">
+                <a:sym typeface="Wingdings" panose="05000000000000000000" pitchFamily="2" charset="2"/>
+              </a:rPr>
               <a:t>폴더를 </a:t>
             </a:r>
             <a:r>
@@ -32291,13 +32316,7 @@
               <a:rPr lang="ko-KR" altLang="en-US" dirty="0" smtClean="0">
                 <a:sym typeface="Wingdings" panose="05000000000000000000" pitchFamily="2" charset="2"/>
               </a:rPr>
-              <a:t>파일을 읽어보고 특이한 점들을 살펴 </a:t>
-            </a:r>
-            <a:r>
-              <a:rPr lang="ko-KR" altLang="en-US" dirty="0" smtClean="0">
-                <a:sym typeface="Wingdings" panose="05000000000000000000" pitchFamily="2" charset="2"/>
-              </a:rPr>
-              <a:t>보십시오</a:t>
+              <a:t>파일을 읽어보고 특이한 점들을 살펴 보십시오</a:t>
             </a:r>
             <a:r>
               <a:rPr lang="en-US" altLang="ko-KR" dirty="0" smtClean="0">
@@ -32665,12 +32684,6 @@
               </a:rPr>
               <a:t>. </a:t>
             </a:r>
-            <a:r>
-              <a:rPr lang="en-US" altLang="ko-KR" dirty="0" smtClean="0">
-                <a:sym typeface="Wingdings" panose="05000000000000000000" pitchFamily="2" charset="2"/>
-              </a:rPr>
-              <a:t/>
-            </a:r>
             <a:br>
               <a:rPr lang="en-US" altLang="ko-KR" dirty="0" smtClean="0">
                 <a:sym typeface="Wingdings" panose="05000000000000000000" pitchFamily="2" charset="2"/>
@@ -32680,13 +32693,7 @@
               <a:rPr lang="ko-KR" altLang="en-US" dirty="0" smtClean="0">
                 <a:sym typeface="Wingdings" panose="05000000000000000000" pitchFamily="2" charset="2"/>
               </a:rPr>
-              <a:t>예를 </a:t>
-            </a:r>
-            <a:r>
-              <a:rPr lang="ko-KR" altLang="en-US" dirty="0" smtClean="0">
-                <a:sym typeface="Wingdings" panose="05000000000000000000" pitchFamily="2" charset="2"/>
-              </a:rPr>
-              <a:t>들어</a:t>
+              <a:t>예를 들어</a:t>
             </a:r>
             <a:r>
               <a:rPr lang="en-US" altLang="ko-KR" dirty="0" smtClean="0">
@@ -32775,19 +32782,7 @@
               <a:rPr lang="ko-KR" altLang="en-US" dirty="0" smtClean="0">
                 <a:sym typeface="Wingdings" panose="05000000000000000000" pitchFamily="2" charset="2"/>
               </a:rPr>
-              <a:t>예전의 코드들을 이해하려면 </a:t>
-            </a:r>
-            <a:r>
-              <a:rPr lang="ko-KR" altLang="en-US" dirty="0" smtClean="0">
-                <a:sym typeface="Wingdings" panose="05000000000000000000" pitchFamily="2" charset="2"/>
-              </a:rPr>
-              <a:t>조금은 </a:t>
-            </a:r>
-            <a:r>
-              <a:rPr lang="ko-KR" altLang="en-US" dirty="0" smtClean="0">
-                <a:sym typeface="Wingdings" panose="05000000000000000000" pitchFamily="2" charset="2"/>
-              </a:rPr>
-              <a:t>알아야합니다</a:t>
+              <a:t>예전의 코드들을 이해하려면 조금은 알아야합니다</a:t>
             </a:r>
             <a:r>
               <a:rPr lang="en-US" altLang="ko-KR" dirty="0" smtClean="0">
@@ -32980,13 +32975,7 @@
               <a:rPr lang="ko-KR" altLang="en-US" dirty="0" smtClean="0">
                 <a:sym typeface="Wingdings" panose="05000000000000000000" pitchFamily="2" charset="2"/>
               </a:rPr>
-              <a:t>여기서는 </a:t>
-            </a:r>
-            <a:r>
-              <a:rPr lang="ko-KR" altLang="en-US" dirty="0" smtClean="0">
-                <a:sym typeface="Wingdings" panose="05000000000000000000" pitchFamily="2" charset="2"/>
-              </a:rPr>
-              <a:t>사용자가 화살표 버튼을 클릭할 경우</a:t>
+              <a:t>여기서는 사용자가 화살표 버튼을 클릭할 경우</a:t>
             </a:r>
             <a:r>
               <a:rPr lang="en-US" altLang="ko-KR" dirty="0" smtClean="0">
@@ -32998,25 +32987,7 @@
               <a:rPr lang="ko-KR" altLang="en-US" dirty="0" smtClean="0">
                 <a:sym typeface="Wingdings" panose="05000000000000000000" pitchFamily="2" charset="2"/>
               </a:rPr>
-              <a:t>호출할 </a:t>
-            </a:r>
-            <a:r>
-              <a:rPr lang="ko-KR" altLang="en-US" dirty="0" smtClean="0">
-                <a:sym typeface="Wingdings" panose="05000000000000000000" pitchFamily="2" charset="2"/>
-              </a:rPr>
-              <a:t>메소드</a:t>
-            </a:r>
-            <a:r>
-              <a:rPr lang="ko-KR" altLang="en-US" dirty="0" smtClean="0">
-                <a:sym typeface="Wingdings" panose="05000000000000000000" pitchFamily="2" charset="2"/>
-              </a:rPr>
-              <a:t>를 </a:t>
-            </a:r>
-            <a:r>
-              <a:rPr lang="ko-KR" altLang="en-US" dirty="0" smtClean="0">
-                <a:sym typeface="Wingdings" panose="05000000000000000000" pitchFamily="2" charset="2"/>
-              </a:rPr>
-              <a:t>여기서 등록하는 것입니다</a:t>
+              <a:t>호출할 메소드를 여기서 등록하는 것입니다</a:t>
             </a:r>
             <a:r>
               <a:rPr lang="en-US" altLang="ko-KR" dirty="0" smtClean="0">
@@ -33082,12 +33053,6 @@
               </a:rPr>
               <a:t>. </a:t>
             </a:r>
-            <a:r>
-              <a:rPr lang="en-US" altLang="ko-KR" dirty="0" smtClean="0">
-                <a:sym typeface="Wingdings" panose="05000000000000000000" pitchFamily="2" charset="2"/>
-              </a:rPr>
-              <a:t/>
-            </a:r>
             <a:br>
               <a:rPr lang="en-US" altLang="ko-KR" dirty="0" smtClean="0">
                 <a:sym typeface="Wingdings" panose="05000000000000000000" pitchFamily="2" charset="2"/>
@@ -33097,13 +33062,7 @@
               <a:rPr lang="en-US" altLang="ko-KR" dirty="0" smtClean="0">
                 <a:sym typeface="Wingdings" panose="05000000000000000000" pitchFamily="2" charset="2"/>
               </a:rPr>
-              <a:t>"</a:t>
-            </a:r>
-            <a:r>
-              <a:rPr lang="en-US" altLang="ko-KR" dirty="0" smtClean="0">
-                <a:sym typeface="Wingdings" panose="05000000000000000000" pitchFamily="2" charset="2"/>
-              </a:rPr>
-              <a:t>redraw </a:t>
+              <a:t>"redraw </a:t>
             </a:r>
             <a:r>
               <a:rPr lang="en-US" altLang="ko-KR" dirty="0">
@@ -33346,13 +33305,7 @@
               <a:rPr lang="en-US" altLang="ko-KR" dirty="0" smtClean="0">
                 <a:sym typeface="Wingdings" panose="05000000000000000000" pitchFamily="2" charset="2"/>
               </a:rPr>
-              <a:t>[</a:t>
-            </a:r>
-            <a:r>
-              <a:rPr lang="en-US" altLang="ko-KR" dirty="0" smtClean="0">
-                <a:sym typeface="Wingdings" panose="05000000000000000000" pitchFamily="2" charset="2"/>
-              </a:rPr>
-              <a:t>At</a:t>
+              <a:t>[At</a:t>
             </a:r>
             <a:r>
               <a:rPr lang="en-US" altLang="ko-KR" dirty="0">
@@ -33364,13 +33317,7 @@
               <a:rPr lang="en-US" altLang="ko-KR" dirty="0" smtClean="0">
                 <a:sym typeface="Wingdings" panose="05000000000000000000" pitchFamily="2" charset="2"/>
               </a:rPr>
-              <a:t>ribute</a:t>
-            </a:r>
-            <a:r>
-              <a:rPr lang="en-US" altLang="ko-KR" dirty="0" smtClean="0">
-                <a:sym typeface="Wingdings" panose="05000000000000000000" pitchFamily="2" charset="2"/>
-              </a:rPr>
-              <a:t>]</a:t>
+              <a:t>ribute]</a:t>
             </a:r>
             <a:r>
               <a:rPr lang="ko-KR" altLang="en-US" dirty="0" smtClean="0">
@@ -33555,7 +33502,7 @@
               <a:rPr lang="en-US" altLang="ko-KR" dirty="0" smtClean="0">
                 <a:sym typeface="Wingdings" panose="05000000000000000000" pitchFamily="2" charset="2"/>
               </a:rPr>
-              <a:t>Boolean </a:t>
+              <a:t>boolean </a:t>
             </a:r>
             <a:r>
               <a:rPr lang="en-US" altLang="ko-KR" dirty="0" err="1" smtClean="0">
@@ -34410,6 +34357,13 @@
   <p:clrMapOvr>
     <a:masterClrMapping/>
   </p:clrMapOvr>
+  <p:timing>
+    <p:tnLst>
+      <p:par>
+        <p:cTn id="1" dur="indefinite" restart="never" nodeType="tmRoot"/>
+      </p:par>
+    </p:tnLst>
+  </p:timing>
 </p:sld>
 </file>
 
@@ -34835,6 +34789,13 @@
   <p:clrMapOvr>
     <a:masterClrMapping/>
   </p:clrMapOvr>
+  <p:timing>
+    <p:tnLst>
+      <p:par>
+        <p:cTn id="1" dur="indefinite" restart="never" nodeType="tmRoot"/>
+      </p:par>
+    </p:tnLst>
+  </p:timing>
 </p:sld>
 </file>
 
@@ -35485,6 +35446,13 @@
   <p:clrMapOvr>
     <a:masterClrMapping/>
   </p:clrMapOvr>
+  <p:timing>
+    <p:tnLst>
+      <p:par>
+        <p:cTn id="1" dur="indefinite" restart="never" nodeType="tmRoot"/>
+      </p:par>
+    </p:tnLst>
+  </p:timing>
 </p:sld>
 </file>
 
@@ -35813,6 +35781,13 @@
   <p:clrMapOvr>
     <a:masterClrMapping/>
   </p:clrMapOvr>
+  <p:timing>
+    <p:tnLst>
+      <p:par>
+        <p:cTn id="1" dur="indefinite" restart="never" nodeType="tmRoot"/>
+      </p:par>
+    </p:tnLst>
+  </p:timing>
 </p:sld>
 </file>
 
